--- a/0.00 ReadMe.pptx
+++ b/0.00 ReadMe.pptx
@@ -5,7 +5,7 @@
     <p:sldMasterId id="2147483648" r:id="rId1"/>
   </p:sldMasterIdLst>
   <p:notesMasterIdLst>
-    <p:notesMasterId r:id="rId22"/>
+    <p:notesMasterId r:id="rId23"/>
   </p:notesMasterIdLst>
   <p:sldIdLst>
     <p:sldId id="259" r:id="rId2"/>
@@ -14,20 +14,21 @@
     <p:sldId id="277" r:id="rId5"/>
     <p:sldId id="257" r:id="rId6"/>
     <p:sldId id="258" r:id="rId7"/>
-    <p:sldId id="274" r:id="rId8"/>
-    <p:sldId id="260" r:id="rId9"/>
-    <p:sldId id="261" r:id="rId10"/>
-    <p:sldId id="269" r:id="rId11"/>
-    <p:sldId id="268" r:id="rId12"/>
-    <p:sldId id="262" r:id="rId13"/>
-    <p:sldId id="263" r:id="rId14"/>
-    <p:sldId id="264" r:id="rId15"/>
-    <p:sldId id="265" r:id="rId16"/>
-    <p:sldId id="270" r:id="rId17"/>
-    <p:sldId id="271" r:id="rId18"/>
-    <p:sldId id="266" r:id="rId19"/>
-    <p:sldId id="267" r:id="rId20"/>
-    <p:sldId id="273" r:id="rId21"/>
+    <p:sldId id="278" r:id="rId8"/>
+    <p:sldId id="274" r:id="rId9"/>
+    <p:sldId id="260" r:id="rId10"/>
+    <p:sldId id="261" r:id="rId11"/>
+    <p:sldId id="269" r:id="rId12"/>
+    <p:sldId id="268" r:id="rId13"/>
+    <p:sldId id="262" r:id="rId14"/>
+    <p:sldId id="263" r:id="rId15"/>
+    <p:sldId id="264" r:id="rId16"/>
+    <p:sldId id="265" r:id="rId17"/>
+    <p:sldId id="270" r:id="rId18"/>
+    <p:sldId id="271" r:id="rId19"/>
+    <p:sldId id="266" r:id="rId20"/>
+    <p:sldId id="267" r:id="rId21"/>
+    <p:sldId id="273" r:id="rId22"/>
   </p:sldIdLst>
   <p:sldSz cx="12192000" cy="6858000"/>
   <p:notesSz cx="6858000" cy="9144000"/>
@@ -141,6 +142,7 @@
           <p14:sldIdLst>
             <p14:sldId id="257"/>
             <p14:sldId id="258"/>
+            <p14:sldId id="278"/>
             <p14:sldId id="274"/>
           </p14:sldIdLst>
         </p14:section>
@@ -263,7 +265,7 @@
           <a:p>
             <a:fld id="{57A54A7D-5269-C740-B3E7-8A5601445769}" type="datetimeFigureOut">
               <a:rPr lang="en-US" smtClean="0"/>
-              <a:t>12/15/23</a:t>
+              <a:t>12/16/23</a:t>
             </a:fld>
             <a:endParaRPr lang="en-US"/>
           </a:p>
@@ -1420,7 +1422,7 @@
           <a:p>
             <a:fld id="{313D9E81-3D96-B349-A8BF-8433F26BDC88}" type="datetimeFigureOut">
               <a:rPr lang="en-US" smtClean="0"/>
-              <a:t>12/15/23</a:t>
+              <a:t>12/16/23</a:t>
             </a:fld>
             <a:endParaRPr lang="en-US"/>
           </a:p>
@@ -1686,7 +1688,7 @@
           <a:p>
             <a:fld id="{313D9E81-3D96-B349-A8BF-8433F26BDC88}" type="datetimeFigureOut">
               <a:rPr lang="en-US" smtClean="0"/>
-              <a:t>12/15/23</a:t>
+              <a:t>12/16/23</a:t>
             </a:fld>
             <a:endParaRPr lang="en-US"/>
           </a:p>
@@ -1962,7 +1964,7 @@
           <a:p>
             <a:fld id="{313D9E81-3D96-B349-A8BF-8433F26BDC88}" type="datetimeFigureOut">
               <a:rPr lang="en-US" smtClean="0"/>
-              <a:t>12/15/23</a:t>
+              <a:t>12/16/23</a:t>
             </a:fld>
             <a:endParaRPr lang="en-US"/>
           </a:p>
@@ -2228,7 +2230,7 @@
           <a:p>
             <a:fld id="{313D9E81-3D96-B349-A8BF-8433F26BDC88}" type="datetimeFigureOut">
               <a:rPr lang="en-US" smtClean="0"/>
-              <a:t>12/15/23</a:t>
+              <a:t>12/16/23</a:t>
             </a:fld>
             <a:endParaRPr lang="en-US"/>
           </a:p>
@@ -2570,7 +2572,7 @@
           <a:p>
             <a:fld id="{313D9E81-3D96-B349-A8BF-8433F26BDC88}" type="datetimeFigureOut">
               <a:rPr lang="en-US" smtClean="0"/>
-              <a:t>12/15/23</a:t>
+              <a:t>12/16/23</a:t>
             </a:fld>
             <a:endParaRPr lang="en-US"/>
           </a:p>
@@ -2904,7 +2906,7 @@
           <a:p>
             <a:fld id="{313D9E81-3D96-B349-A8BF-8433F26BDC88}" type="datetimeFigureOut">
               <a:rPr lang="en-US" smtClean="0"/>
-              <a:t>12/15/23</a:t>
+              <a:t>12/16/23</a:t>
             </a:fld>
             <a:endParaRPr lang="en-US"/>
           </a:p>
@@ -3389,7 +3391,7 @@
           <a:p>
             <a:fld id="{313D9E81-3D96-B349-A8BF-8433F26BDC88}" type="datetimeFigureOut">
               <a:rPr lang="en-US" smtClean="0"/>
-              <a:t>12/15/23</a:t>
+              <a:t>12/16/23</a:t>
             </a:fld>
             <a:endParaRPr lang="en-US"/>
           </a:p>
@@ -3597,7 +3599,7 @@
           <a:p>
             <a:fld id="{313D9E81-3D96-B349-A8BF-8433F26BDC88}" type="datetimeFigureOut">
               <a:rPr lang="en-US" smtClean="0"/>
-              <a:t>12/15/23</a:t>
+              <a:t>12/16/23</a:t>
             </a:fld>
             <a:endParaRPr lang="en-US"/>
           </a:p>
@@ -3722,7 +3724,7 @@
           <a:p>
             <a:fld id="{313D9E81-3D96-B349-A8BF-8433F26BDC88}" type="datetimeFigureOut">
               <a:rPr lang="en-US" smtClean="0"/>
-              <a:t>12/15/23</a:t>
+              <a:t>12/16/23</a:t>
             </a:fld>
             <a:endParaRPr lang="en-US"/>
           </a:p>
@@ -4101,7 +4103,7 @@
           <a:p>
             <a:fld id="{313D9E81-3D96-B349-A8BF-8433F26BDC88}" type="datetimeFigureOut">
               <a:rPr lang="en-US" smtClean="0"/>
-              <a:t>12/15/23</a:t>
+              <a:t>12/16/23</a:t>
             </a:fld>
             <a:endParaRPr lang="en-US"/>
           </a:p>
@@ -4460,7 +4462,7 @@
           <a:p>
             <a:fld id="{313D9E81-3D96-B349-A8BF-8433F26BDC88}" type="datetimeFigureOut">
               <a:rPr lang="en-US" smtClean="0"/>
-              <a:t>12/15/23</a:t>
+              <a:t>12/16/23</a:t>
             </a:fld>
             <a:endParaRPr lang="en-US"/>
           </a:p>
@@ -4722,7 +4724,7 @@
             <a:fld id="{861A3DF2-0531-CE46-9494-B94CAD82DC1E}" type="datetime1">
               <a:rPr lang="en-IE" smtClean="0"/>
               <a:pPr/>
-              <a:t>15/12/2023</a:t>
+              <a:t>16/12/2023</a:t>
             </a:fld>
             <a:endParaRPr lang="en-US" dirty="0"/>
           </a:p>
@@ -5273,10 +5275,10 @@
       </p:sp>
       <p:sp>
         <p:nvSpPr>
-          <p:cNvPr id="7" name="Text Placeholder 6">
-            <a:extLst>
-              <a:ext uri="{FF2B5EF4-FFF2-40B4-BE49-F238E27FC236}">
-                <a16:creationId xmlns:a16="http://schemas.microsoft.com/office/drawing/2014/main" id="{1CA5746E-76D7-6ABD-33BF-A643D24190A5}"/>
+          <p:cNvPr id="5" name="Text Placeholder 4">
+            <a:extLst>
+              <a:ext uri="{FF2B5EF4-FFF2-40B4-BE49-F238E27FC236}">
+                <a16:creationId xmlns:a16="http://schemas.microsoft.com/office/drawing/2014/main" id="{C049F687-CB45-2240-B4EB-0EAAD9FDC3B2}"/>
               </a:ext>
             </a:extLst>
           </p:cNvPr>
@@ -5294,7 +5296,7 @@
           <a:p>
             <a:r>
               <a:rPr lang="en-US" dirty="0"/>
-              <a:t>Pipeline Outline</a:t>
+              <a:t>Data Breakdown</a:t>
             </a:r>
           </a:p>
         </p:txBody>
@@ -5302,7 +5304,7 @@
     </p:spTree>
     <p:extLst>
       <p:ext uri="{BB962C8B-B14F-4D97-AF65-F5344CB8AC3E}">
-        <p14:creationId xmlns:p14="http://schemas.microsoft.com/office/powerpoint/2010/main" val="2704302293"/>
+        <p14:creationId xmlns:p14="http://schemas.microsoft.com/office/powerpoint/2010/main" val="3027906681"/>
       </p:ext>
     </p:extLst>
   </p:cSld>
@@ -5375,6 +5377,108 @@
       </p:sp>
       <p:sp>
         <p:nvSpPr>
+          <p:cNvPr id="7" name="Text Placeholder 6">
+            <a:extLst>
+              <a:ext uri="{FF2B5EF4-FFF2-40B4-BE49-F238E27FC236}">
+                <a16:creationId xmlns:a16="http://schemas.microsoft.com/office/drawing/2014/main" id="{1CA5746E-76D7-6ABD-33BF-A643D24190A5}"/>
+              </a:ext>
+            </a:extLst>
+          </p:cNvPr>
+          <p:cNvSpPr>
+            <a:spLocks noGrp="1"/>
+          </p:cNvSpPr>
+          <p:nvPr>
+            <p:ph idx="1"/>
+          </p:nvPr>
+        </p:nvSpPr>
+        <p:spPr/>
+        <p:txBody>
+          <a:bodyPr/>
+          <a:lstStyle/>
+          <a:p>
+            <a:r>
+              <a:rPr lang="en-US" dirty="0"/>
+              <a:t>Pipeline Outline</a:t>
+            </a:r>
+          </a:p>
+        </p:txBody>
+      </p:sp>
+    </p:spTree>
+    <p:extLst>
+      <p:ext uri="{BB962C8B-B14F-4D97-AF65-F5344CB8AC3E}">
+        <p14:creationId xmlns:p14="http://schemas.microsoft.com/office/powerpoint/2010/main" val="2704302293"/>
+      </p:ext>
+    </p:extLst>
+  </p:cSld>
+  <p:clrMapOvr>
+    <a:masterClrMapping/>
+  </p:clrMapOvr>
+  <mc:AlternateContent xmlns:mc="http://schemas.openxmlformats.org/markup-compatibility/2006" xmlns:p14="http://schemas.microsoft.com/office/powerpoint/2010/main">
+    <mc:Choice Requires="p14">
+      <p:transition p14:dur="100">
+        <p:cut/>
+      </p:transition>
+    </mc:Choice>
+    <mc:Fallback xmlns="">
+      <p:transition>
+        <p:cut/>
+      </p:transition>
+    </mc:Fallback>
+  </mc:AlternateContent>
+</p:sld>
+</file>
+
+<file path=ppt/slides/slide12.xml><?xml version="1.0" encoding="utf-8"?>
+<p:sld xmlns:a="http://schemas.openxmlformats.org/drawingml/2006/main" xmlns:r="http://schemas.openxmlformats.org/officeDocument/2006/relationships" xmlns:p="http://schemas.openxmlformats.org/presentationml/2006/main">
+  <p:cSld>
+    <p:spTree>
+      <p:nvGrpSpPr>
+        <p:cNvPr id="1" name=""/>
+        <p:cNvGrpSpPr/>
+        <p:nvPr/>
+      </p:nvGrpSpPr>
+      <p:grpSpPr>
+        <a:xfrm>
+          <a:off x="0" y="0"/>
+          <a:ext cx="0" cy="0"/>
+          <a:chOff x="0" y="0"/>
+          <a:chExt cx="0" cy="0"/>
+        </a:xfrm>
+      </p:grpSpPr>
+      <p:sp>
+        <p:nvSpPr>
+          <p:cNvPr id="2" name="Title 1">
+            <a:extLst>
+              <a:ext uri="{FF2B5EF4-FFF2-40B4-BE49-F238E27FC236}">
+                <a16:creationId xmlns:a16="http://schemas.microsoft.com/office/drawing/2014/main" id="{7ACCC806-57BB-1BB8-3980-D750FB100387}"/>
+              </a:ext>
+            </a:extLst>
+          </p:cNvPr>
+          <p:cNvSpPr>
+            <a:spLocks noGrp="1"/>
+          </p:cNvSpPr>
+          <p:nvPr>
+            <p:ph type="title"/>
+          </p:nvPr>
+        </p:nvSpPr>
+        <p:spPr/>
+        <p:txBody>
+          <a:bodyPr/>
+          <a:lstStyle/>
+          <a:p>
+            <a:r>
+              <a:rPr lang="en-US" dirty="0"/>
+              <a:t>Isolating Spine Region </a:t>
+            </a:r>
+            <a:r>
+              <a:rPr lang="en-US" sz="2400" dirty="0"/>
+              <a:t>(deep learning)</a:t>
+            </a:r>
+          </a:p>
+        </p:txBody>
+      </p:sp>
+      <p:sp>
+        <p:nvSpPr>
           <p:cNvPr id="5" name="Text Placeholder 4">
             <a:extLst>
               <a:ext uri="{FF2B5EF4-FFF2-40B4-BE49-F238E27FC236}">
@@ -5426,7 +5530,7 @@
 </p:sld>
 </file>
 
-<file path=ppt/slides/slide12.xml><?xml version="1.0" encoding="utf-8"?>
+<file path=ppt/slides/slide13.xml><?xml version="1.0" encoding="utf-8"?>
 <p:sld xmlns:a="http://schemas.openxmlformats.org/drawingml/2006/main" xmlns:r="http://schemas.openxmlformats.org/officeDocument/2006/relationships" xmlns:p="http://schemas.openxmlformats.org/presentationml/2006/main">
   <p:cSld>
     <p:spTree>
@@ -5525,101 +5629,6 @@
 </p:sld>
 </file>
 
-<file path=ppt/slides/slide13.xml><?xml version="1.0" encoding="utf-8"?>
-<p:sld xmlns:a="http://schemas.openxmlformats.org/drawingml/2006/main" xmlns:r="http://schemas.openxmlformats.org/officeDocument/2006/relationships" xmlns:p="http://schemas.openxmlformats.org/presentationml/2006/main">
-  <p:cSld>
-    <p:spTree>
-      <p:nvGrpSpPr>
-        <p:cNvPr id="1" name=""/>
-        <p:cNvGrpSpPr/>
-        <p:nvPr/>
-      </p:nvGrpSpPr>
-      <p:grpSpPr>
-        <a:xfrm>
-          <a:off x="0" y="0"/>
-          <a:ext cx="0" cy="0"/>
-          <a:chOff x="0" y="0"/>
-          <a:chExt cx="0" cy="0"/>
-        </a:xfrm>
-      </p:grpSpPr>
-      <p:sp>
-        <p:nvSpPr>
-          <p:cNvPr id="2" name="Title 1">
-            <a:extLst>
-              <a:ext uri="{FF2B5EF4-FFF2-40B4-BE49-F238E27FC236}">
-                <a16:creationId xmlns:a16="http://schemas.microsoft.com/office/drawing/2014/main" id="{6682D3E7-8A95-2160-0BED-64E6568942DC}"/>
-              </a:ext>
-            </a:extLst>
-          </p:cNvPr>
-          <p:cNvSpPr>
-            <a:spLocks noGrp="1"/>
-          </p:cNvSpPr>
-          <p:nvPr>
-            <p:ph type="title"/>
-          </p:nvPr>
-        </p:nvSpPr>
-        <p:spPr/>
-        <p:txBody>
-          <a:bodyPr/>
-          <a:lstStyle/>
-          <a:p>
-            <a:r>
-              <a:rPr lang="en-US" dirty="0"/>
-              <a:t>Measuring Spine Curvature</a:t>
-            </a:r>
-          </a:p>
-        </p:txBody>
-      </p:sp>
-      <p:sp>
-        <p:nvSpPr>
-          <p:cNvPr id="3" name="Content Placeholder 2">
-            <a:extLst>
-              <a:ext uri="{FF2B5EF4-FFF2-40B4-BE49-F238E27FC236}">
-                <a16:creationId xmlns:a16="http://schemas.microsoft.com/office/drawing/2014/main" id="{968FF5E6-D8FD-1AFE-959E-FFE6617799EE}"/>
-              </a:ext>
-            </a:extLst>
-          </p:cNvPr>
-          <p:cNvSpPr>
-            <a:spLocks noGrp="1"/>
-          </p:cNvSpPr>
-          <p:nvPr>
-            <p:ph idx="1"/>
-          </p:nvPr>
-        </p:nvSpPr>
-        <p:spPr/>
-        <p:txBody>
-          <a:bodyPr/>
-          <a:lstStyle/>
-          <a:p>
-            <a:endParaRPr lang="en-US"/>
-          </a:p>
-        </p:txBody>
-      </p:sp>
-    </p:spTree>
-    <p:extLst>
-      <p:ext uri="{BB962C8B-B14F-4D97-AF65-F5344CB8AC3E}">
-        <p14:creationId xmlns:p14="http://schemas.microsoft.com/office/powerpoint/2010/main" val="1204209487"/>
-      </p:ext>
-    </p:extLst>
-  </p:cSld>
-  <p:clrMapOvr>
-    <a:masterClrMapping/>
-  </p:clrMapOvr>
-  <mc:AlternateContent xmlns:mc="http://schemas.openxmlformats.org/markup-compatibility/2006" xmlns:p14="http://schemas.microsoft.com/office/powerpoint/2010/main">
-    <mc:Choice Requires="p14">
-      <p:transition p14:dur="100">
-        <p:cut/>
-      </p:transition>
-    </mc:Choice>
-    <mc:Fallback xmlns="">
-      <p:transition>
-        <p:cut/>
-      </p:transition>
-    </mc:Fallback>
-  </mc:AlternateContent>
-</p:sld>
-</file>
-
 <file path=ppt/slides/slide14.xml><?xml version="1.0" encoding="utf-8"?>
 <p:sld xmlns:a="http://schemas.openxmlformats.org/drawingml/2006/main" xmlns:r="http://schemas.openxmlformats.org/officeDocument/2006/relationships" xmlns:p="http://schemas.openxmlformats.org/presentationml/2006/main">
   <p:cSld>
@@ -5642,7 +5651,7 @@
           <p:cNvPr id="2" name="Title 1">
             <a:extLst>
               <a:ext uri="{FF2B5EF4-FFF2-40B4-BE49-F238E27FC236}">
-                <a16:creationId xmlns:a16="http://schemas.microsoft.com/office/drawing/2014/main" id="{7ACCC806-57BB-1BB8-3980-D750FB100387}"/>
+                <a16:creationId xmlns:a16="http://schemas.microsoft.com/office/drawing/2014/main" id="{6682D3E7-8A95-2160-0BED-64E6568942DC}"/>
               </a:ext>
             </a:extLst>
           </p:cNvPr>
@@ -5660,21 +5669,17 @@
           <a:p>
             <a:r>
               <a:rPr lang="en-US" dirty="0"/>
-              <a:t>Isolating Vertebra Region </a:t>
-            </a:r>
-            <a:r>
-              <a:rPr lang="en-US" sz="2400" dirty="0"/>
-              <a:t>(Manual)</a:t>
-            </a:r>
-          </a:p>
-        </p:txBody>
-      </p:sp>
-      <p:sp>
-        <p:nvSpPr>
-          <p:cNvPr id="5" name="Text Placeholder 4">
-            <a:extLst>
-              <a:ext uri="{FF2B5EF4-FFF2-40B4-BE49-F238E27FC236}">
-                <a16:creationId xmlns:a16="http://schemas.microsoft.com/office/drawing/2014/main" id="{219E66B4-BE1A-6414-4691-D8AD08928FD0}"/>
+              <a:t>Measuring Spine Curvature</a:t>
+            </a:r>
+          </a:p>
+        </p:txBody>
+      </p:sp>
+      <p:sp>
+        <p:nvSpPr>
+          <p:cNvPr id="3" name="Content Placeholder 2">
+            <a:extLst>
+              <a:ext uri="{FF2B5EF4-FFF2-40B4-BE49-F238E27FC236}">
+                <a16:creationId xmlns:a16="http://schemas.microsoft.com/office/drawing/2014/main" id="{968FF5E6-D8FD-1AFE-959E-FFE6617799EE}"/>
               </a:ext>
             </a:extLst>
           </p:cNvPr>
@@ -5690,17 +5695,14 @@
           <a:bodyPr/>
           <a:lstStyle/>
           <a:p>
-            <a:r>
-              <a:rPr lang="en-US" dirty="0"/>
-              <a:t>Template Matching Method</a:t>
-            </a:r>
+            <a:endParaRPr lang="en-US"/>
           </a:p>
         </p:txBody>
       </p:sp>
     </p:spTree>
     <p:extLst>
       <p:ext uri="{BB962C8B-B14F-4D97-AF65-F5344CB8AC3E}">
-        <p14:creationId xmlns:p14="http://schemas.microsoft.com/office/powerpoint/2010/main" val="3011243271"/>
+        <p14:creationId xmlns:p14="http://schemas.microsoft.com/office/powerpoint/2010/main" val="1204209487"/>
       </p:ext>
     </p:extLst>
   </p:cSld>
@@ -5765,23 +5767,9 @@
               <a:t>Isolating Vertebra Region </a:t>
             </a:r>
             <a:r>
-              <a:rPr kumimoji="0" lang="en-US" sz="2400" b="1" i="0" u="none" strike="noStrike" kern="1200" cap="none" spc="0" normalizeH="0" baseline="0" noProof="0" dirty="0">
-                <a:ln>
-                  <a:noFill/>
-                </a:ln>
-                <a:solidFill>
-                  <a:prstClr val="white"/>
-                </a:solidFill>
-                <a:effectLst/>
-                <a:uLnTx/>
-                <a:uFillTx/>
-                <a:latin typeface="Avenir Medium" panose="02000503020000020003" pitchFamily="2" charset="0"/>
-                <a:ea typeface="+mj-ea"/>
-                <a:cs typeface="+mj-cs"/>
-              </a:rPr>
-              <a:t>(deep learning)</a:t>
-            </a:r>
-            <a:endParaRPr lang="en-US" dirty="0"/>
+              <a:rPr lang="en-US" sz="2400" dirty="0"/>
+              <a:t>(Manual)</a:t>
+            </a:r>
           </a:p>
         </p:txBody>
       </p:sp>
@@ -5790,7 +5778,7 @@
           <p:cNvPr id="5" name="Text Placeholder 4">
             <a:extLst>
               <a:ext uri="{FF2B5EF4-FFF2-40B4-BE49-F238E27FC236}">
-                <a16:creationId xmlns:a16="http://schemas.microsoft.com/office/drawing/2014/main" id="{C049F687-CB45-2240-B4EB-0EAAD9FDC3B2}"/>
+                <a16:creationId xmlns:a16="http://schemas.microsoft.com/office/drawing/2014/main" id="{219E66B4-BE1A-6414-4691-D8AD08928FD0}"/>
               </a:ext>
             </a:extLst>
           </p:cNvPr>
@@ -5808,7 +5796,7 @@
           <a:p>
             <a:r>
               <a:rPr lang="en-US" dirty="0"/>
-              <a:t>Data Breakdown</a:t>
+              <a:t>Template Matching Method</a:t>
             </a:r>
           </a:p>
         </p:txBody>
@@ -5816,7 +5804,7 @@
     </p:spTree>
     <p:extLst>
       <p:ext uri="{BB962C8B-B14F-4D97-AF65-F5344CB8AC3E}">
-        <p14:creationId xmlns:p14="http://schemas.microsoft.com/office/powerpoint/2010/main" val="1484258907"/>
+        <p14:creationId xmlns:p14="http://schemas.microsoft.com/office/powerpoint/2010/main" val="3011243271"/>
       </p:ext>
     </p:extLst>
   </p:cSld>
@@ -5903,10 +5891,10 @@
       </p:sp>
       <p:sp>
         <p:nvSpPr>
-          <p:cNvPr id="7" name="Text Placeholder 6">
-            <a:extLst>
-              <a:ext uri="{FF2B5EF4-FFF2-40B4-BE49-F238E27FC236}">
-                <a16:creationId xmlns:a16="http://schemas.microsoft.com/office/drawing/2014/main" id="{1CA5746E-76D7-6ABD-33BF-A643D24190A5}"/>
+          <p:cNvPr id="5" name="Text Placeholder 4">
+            <a:extLst>
+              <a:ext uri="{FF2B5EF4-FFF2-40B4-BE49-F238E27FC236}">
+                <a16:creationId xmlns:a16="http://schemas.microsoft.com/office/drawing/2014/main" id="{C049F687-CB45-2240-B4EB-0EAAD9FDC3B2}"/>
               </a:ext>
             </a:extLst>
           </p:cNvPr>
@@ -5924,7 +5912,7 @@
           <a:p>
             <a:r>
               <a:rPr lang="en-US" dirty="0"/>
-              <a:t>Pipeline Outline</a:t>
+              <a:t>Data Breakdown</a:t>
             </a:r>
           </a:p>
         </p:txBody>
@@ -5932,7 +5920,7 @@
     </p:spTree>
     <p:extLst>
       <p:ext uri="{BB962C8B-B14F-4D97-AF65-F5344CB8AC3E}">
-        <p14:creationId xmlns:p14="http://schemas.microsoft.com/office/powerpoint/2010/main" val="2135829367"/>
+        <p14:creationId xmlns:p14="http://schemas.microsoft.com/office/powerpoint/2010/main" val="1484258907"/>
       </p:ext>
     </p:extLst>
   </p:cSld>
@@ -6040,7 +6028,7 @@
           <a:p>
             <a:r>
               <a:rPr lang="en-US" dirty="0"/>
-              <a:t>Pipeline Results</a:t>
+              <a:t>Pipeline Outline</a:t>
             </a:r>
           </a:p>
         </p:txBody>
@@ -6048,7 +6036,7 @@
     </p:spTree>
     <p:extLst>
       <p:ext uri="{BB962C8B-B14F-4D97-AF65-F5344CB8AC3E}">
-        <p14:creationId xmlns:p14="http://schemas.microsoft.com/office/powerpoint/2010/main" val="325842421"/>
+        <p14:creationId xmlns:p14="http://schemas.microsoft.com/office/powerpoint/2010/main" val="2135829367"/>
       </p:ext>
     </p:extLst>
   </p:cSld>
@@ -6092,7 +6080,7 @@
           <p:cNvPr id="2" name="Title 1">
             <a:extLst>
               <a:ext uri="{FF2B5EF4-FFF2-40B4-BE49-F238E27FC236}">
-                <a16:creationId xmlns:a16="http://schemas.microsoft.com/office/drawing/2014/main" id="{6682D3E7-8A95-2160-0BED-64E6568942DC}"/>
+                <a16:creationId xmlns:a16="http://schemas.microsoft.com/office/drawing/2014/main" id="{7ACCC806-57BB-1BB8-3980-D750FB100387}"/>
               </a:ext>
             </a:extLst>
           </p:cNvPr>
@@ -6110,17 +6098,35 @@
           <a:p>
             <a:r>
               <a:rPr lang="en-US" dirty="0"/>
-              <a:t>Measuring Vertebra Length</a:t>
-            </a:r>
-          </a:p>
-        </p:txBody>
-      </p:sp>
-      <p:sp>
-        <p:nvSpPr>
-          <p:cNvPr id="3" name="Content Placeholder 2">
-            <a:extLst>
-              <a:ext uri="{FF2B5EF4-FFF2-40B4-BE49-F238E27FC236}">
-                <a16:creationId xmlns:a16="http://schemas.microsoft.com/office/drawing/2014/main" id="{968FF5E6-D8FD-1AFE-959E-FFE6617799EE}"/>
+              <a:t>Isolating Vertebra Region </a:t>
+            </a:r>
+            <a:r>
+              <a:rPr kumimoji="0" lang="en-US" sz="2400" b="1" i="0" u="none" strike="noStrike" kern="1200" cap="none" spc="0" normalizeH="0" baseline="0" noProof="0" dirty="0">
+                <a:ln>
+                  <a:noFill/>
+                </a:ln>
+                <a:solidFill>
+                  <a:prstClr val="white"/>
+                </a:solidFill>
+                <a:effectLst/>
+                <a:uLnTx/>
+                <a:uFillTx/>
+                <a:latin typeface="Avenir Medium" panose="02000503020000020003" pitchFamily="2" charset="0"/>
+                <a:ea typeface="+mj-ea"/>
+                <a:cs typeface="+mj-cs"/>
+              </a:rPr>
+              <a:t>(deep learning)</a:t>
+            </a:r>
+            <a:endParaRPr lang="en-US" dirty="0"/>
+          </a:p>
+        </p:txBody>
+      </p:sp>
+      <p:sp>
+        <p:nvSpPr>
+          <p:cNvPr id="7" name="Text Placeholder 6">
+            <a:extLst>
+              <a:ext uri="{FF2B5EF4-FFF2-40B4-BE49-F238E27FC236}">
+                <a16:creationId xmlns:a16="http://schemas.microsoft.com/office/drawing/2014/main" id="{1CA5746E-76D7-6ABD-33BF-A643D24190A5}"/>
               </a:ext>
             </a:extLst>
           </p:cNvPr>
@@ -6136,14 +6142,17 @@
           <a:bodyPr/>
           <a:lstStyle/>
           <a:p>
-            <a:endParaRPr lang="en-US"/>
+            <a:r>
+              <a:rPr lang="en-US" dirty="0"/>
+              <a:t>Pipeline Results</a:t>
+            </a:r>
           </a:p>
         </p:txBody>
       </p:sp>
     </p:spTree>
     <p:extLst>
       <p:ext uri="{BB962C8B-B14F-4D97-AF65-F5344CB8AC3E}">
-        <p14:creationId xmlns:p14="http://schemas.microsoft.com/office/powerpoint/2010/main" val="1406001128"/>
+        <p14:creationId xmlns:p14="http://schemas.microsoft.com/office/powerpoint/2010/main" val="325842421"/>
       </p:ext>
     </p:extLst>
   </p:cSld>
@@ -6205,7 +6214,7 @@
           <a:p>
             <a:r>
               <a:rPr lang="en-US" dirty="0"/>
-              <a:t>Measuring Vertebra Area</a:t>
+              <a:t>Measuring Vertebra Length</a:t>
             </a:r>
           </a:p>
         </p:txBody>
@@ -6238,7 +6247,7 @@
     </p:spTree>
     <p:extLst>
       <p:ext uri="{BB962C8B-B14F-4D97-AF65-F5344CB8AC3E}">
-        <p14:creationId xmlns:p14="http://schemas.microsoft.com/office/powerpoint/2010/main" val="3468205811"/>
+        <p14:creationId xmlns:p14="http://schemas.microsoft.com/office/powerpoint/2010/main" val="1406001128"/>
       </p:ext>
     </p:extLst>
   </p:cSld>
@@ -6433,6 +6442,101 @@
 </file>
 
 <file path=ppt/slides/slide20.xml><?xml version="1.0" encoding="utf-8"?>
+<p:sld xmlns:a="http://schemas.openxmlformats.org/drawingml/2006/main" xmlns:r="http://schemas.openxmlformats.org/officeDocument/2006/relationships" xmlns:p="http://schemas.openxmlformats.org/presentationml/2006/main">
+  <p:cSld>
+    <p:spTree>
+      <p:nvGrpSpPr>
+        <p:cNvPr id="1" name=""/>
+        <p:cNvGrpSpPr/>
+        <p:nvPr/>
+      </p:nvGrpSpPr>
+      <p:grpSpPr>
+        <a:xfrm>
+          <a:off x="0" y="0"/>
+          <a:ext cx="0" cy="0"/>
+          <a:chOff x="0" y="0"/>
+          <a:chExt cx="0" cy="0"/>
+        </a:xfrm>
+      </p:grpSpPr>
+      <p:sp>
+        <p:nvSpPr>
+          <p:cNvPr id="2" name="Title 1">
+            <a:extLst>
+              <a:ext uri="{FF2B5EF4-FFF2-40B4-BE49-F238E27FC236}">
+                <a16:creationId xmlns:a16="http://schemas.microsoft.com/office/drawing/2014/main" id="{6682D3E7-8A95-2160-0BED-64E6568942DC}"/>
+              </a:ext>
+            </a:extLst>
+          </p:cNvPr>
+          <p:cNvSpPr>
+            <a:spLocks noGrp="1"/>
+          </p:cNvSpPr>
+          <p:nvPr>
+            <p:ph type="title"/>
+          </p:nvPr>
+        </p:nvSpPr>
+        <p:spPr/>
+        <p:txBody>
+          <a:bodyPr/>
+          <a:lstStyle/>
+          <a:p>
+            <a:r>
+              <a:rPr lang="en-US" dirty="0"/>
+              <a:t>Measuring Vertebra Area</a:t>
+            </a:r>
+          </a:p>
+        </p:txBody>
+      </p:sp>
+      <p:sp>
+        <p:nvSpPr>
+          <p:cNvPr id="3" name="Content Placeholder 2">
+            <a:extLst>
+              <a:ext uri="{FF2B5EF4-FFF2-40B4-BE49-F238E27FC236}">
+                <a16:creationId xmlns:a16="http://schemas.microsoft.com/office/drawing/2014/main" id="{968FF5E6-D8FD-1AFE-959E-FFE6617799EE}"/>
+              </a:ext>
+            </a:extLst>
+          </p:cNvPr>
+          <p:cNvSpPr>
+            <a:spLocks noGrp="1"/>
+          </p:cNvSpPr>
+          <p:nvPr>
+            <p:ph idx="1"/>
+          </p:nvPr>
+        </p:nvSpPr>
+        <p:spPr/>
+        <p:txBody>
+          <a:bodyPr/>
+          <a:lstStyle/>
+          <a:p>
+            <a:endParaRPr lang="en-US"/>
+          </a:p>
+        </p:txBody>
+      </p:sp>
+    </p:spTree>
+    <p:extLst>
+      <p:ext uri="{BB962C8B-B14F-4D97-AF65-F5344CB8AC3E}">
+        <p14:creationId xmlns:p14="http://schemas.microsoft.com/office/powerpoint/2010/main" val="3468205811"/>
+      </p:ext>
+    </p:extLst>
+  </p:cSld>
+  <p:clrMapOvr>
+    <a:masterClrMapping/>
+  </p:clrMapOvr>
+  <mc:AlternateContent xmlns:mc="http://schemas.openxmlformats.org/markup-compatibility/2006" xmlns:p14="http://schemas.microsoft.com/office/powerpoint/2010/main">
+    <mc:Choice Requires="p14">
+      <p:transition p14:dur="100">
+        <p:cut/>
+      </p:transition>
+    </mc:Choice>
+    <mc:Fallback xmlns="">
+      <p:transition>
+        <p:cut/>
+      </p:transition>
+    </mc:Fallback>
+  </mc:AlternateContent>
+</p:sld>
+</file>
+
+<file path=ppt/slides/slide21.xml><?xml version="1.0" encoding="utf-8"?>
 <p:sld xmlns:a="http://schemas.openxmlformats.org/drawingml/2006/main" xmlns:r="http://schemas.openxmlformats.org/officeDocument/2006/relationships" xmlns:p="http://schemas.openxmlformats.org/presentationml/2006/main">
   <p:cSld>
     <p:spTree>
@@ -7257,6 +7361,144 @@
 </file>
 
 <file path=ppt/slides/slide7.xml><?xml version="1.0" encoding="utf-8"?>
+<p:sld xmlns:a="http://schemas.openxmlformats.org/drawingml/2006/main" xmlns:r="http://schemas.openxmlformats.org/officeDocument/2006/relationships" xmlns:p="http://schemas.openxmlformats.org/presentationml/2006/main">
+  <p:cSld>
+    <p:spTree>
+      <p:nvGrpSpPr>
+        <p:cNvPr id="1" name=""/>
+        <p:cNvGrpSpPr/>
+        <p:nvPr/>
+      </p:nvGrpSpPr>
+      <p:grpSpPr>
+        <a:xfrm>
+          <a:off x="0" y="0"/>
+          <a:ext cx="0" cy="0"/>
+          <a:chOff x="0" y="0"/>
+          <a:chExt cx="0" cy="0"/>
+        </a:xfrm>
+      </p:grpSpPr>
+      <p:sp>
+        <p:nvSpPr>
+          <p:cNvPr id="4" name="Title 3">
+            <a:extLst>
+              <a:ext uri="{FF2B5EF4-FFF2-40B4-BE49-F238E27FC236}">
+                <a16:creationId xmlns:a16="http://schemas.microsoft.com/office/drawing/2014/main" id="{AA6BF6D5-6C51-D733-D7DD-23AC5CEE352D}"/>
+              </a:ext>
+            </a:extLst>
+          </p:cNvPr>
+          <p:cNvSpPr>
+            <a:spLocks noGrp="1"/>
+          </p:cNvSpPr>
+          <p:nvPr>
+            <p:ph type="title"/>
+          </p:nvPr>
+        </p:nvSpPr>
+        <p:spPr/>
+        <p:txBody>
+          <a:bodyPr/>
+          <a:lstStyle/>
+          <a:p>
+            <a:r>
+              <a:rPr lang="en-US" dirty="0"/>
+              <a:t>Isolating Zebrafish Samples </a:t>
+            </a:r>
+            <a:r>
+              <a:rPr lang="en-US" sz="2400" dirty="0"/>
+              <a:t>(semi-auto)</a:t>
+            </a:r>
+          </a:p>
+        </p:txBody>
+      </p:sp>
+      <p:pic>
+        <p:nvPicPr>
+          <p:cNvPr id="8" name="Content Placeholder 7">
+            <a:extLst>
+              <a:ext uri="{FF2B5EF4-FFF2-40B4-BE49-F238E27FC236}">
+                <a16:creationId xmlns:a16="http://schemas.microsoft.com/office/drawing/2014/main" id="{0B627E82-AEF2-CC4E-F50E-BEBCF8355099}"/>
+              </a:ext>
+            </a:extLst>
+          </p:cNvPr>
+          <p:cNvPicPr>
+            <a:picLocks noGrp="1" noChangeAspect="1"/>
+          </p:cNvPicPr>
+          <p:nvPr>
+            <p:ph sz="half" idx="2"/>
+          </p:nvPr>
+        </p:nvPicPr>
+        <p:blipFill>
+          <a:blip r:embed="rId2"/>
+          <a:stretch>
+            <a:fillRect/>
+          </a:stretch>
+        </p:blipFill>
+        <p:spPr>
+          <a:xfrm>
+            <a:off x="6172200" y="1962051"/>
+            <a:ext cx="5181600" cy="4078485"/>
+          </a:xfrm>
+          <a:prstGeom prst="rect">
+            <a:avLst/>
+          </a:prstGeom>
+        </p:spPr>
+      </p:pic>
+      <p:pic>
+        <p:nvPicPr>
+          <p:cNvPr id="11" name="Content Placeholder 10">
+            <a:extLst>
+              <a:ext uri="{FF2B5EF4-FFF2-40B4-BE49-F238E27FC236}">
+                <a16:creationId xmlns:a16="http://schemas.microsoft.com/office/drawing/2014/main" id="{041C5DA5-7D1F-1F08-EF03-EE8742804EC1}"/>
+              </a:ext>
+            </a:extLst>
+          </p:cNvPr>
+          <p:cNvPicPr>
+            <a:picLocks noGrp="1" noChangeAspect="1"/>
+          </p:cNvPicPr>
+          <p:nvPr>
+            <p:ph sz="half" idx="1"/>
+          </p:nvPr>
+        </p:nvPicPr>
+        <p:blipFill>
+          <a:blip r:embed="rId3"/>
+          <a:stretch>
+            <a:fillRect/>
+          </a:stretch>
+        </p:blipFill>
+        <p:spPr>
+          <a:xfrm>
+            <a:off x="838200" y="1962051"/>
+            <a:ext cx="5181600" cy="4078485"/>
+          </a:xfrm>
+          <a:prstGeom prst="rect">
+            <a:avLst/>
+          </a:prstGeom>
+        </p:spPr>
+      </p:pic>
+    </p:spTree>
+    <p:extLst>
+      <p:ext uri="{BB962C8B-B14F-4D97-AF65-F5344CB8AC3E}">
+        <p14:creationId xmlns:p14="http://schemas.microsoft.com/office/powerpoint/2010/main" val="1785717484"/>
+      </p:ext>
+    </p:extLst>
+  </p:cSld>
+  <p:clrMapOvr>
+    <a:masterClrMapping/>
+  </p:clrMapOvr>
+  <mc:AlternateContent xmlns:mc="http://schemas.openxmlformats.org/markup-compatibility/2006" xmlns:p14="http://schemas.microsoft.com/office/powerpoint/2010/main">
+    <mc:Choice Requires="p14">
+      <p:transition p14:dur="100">
+        <p:cut/>
+      </p:transition>
+    </mc:Choice>
+    <mc:Fallback xmlns="">
+      <p:transition>
+        <p:cut/>
+      </p:transition>
+    </mc:Fallback>
+  </mc:AlternateContent>
+</p:sld>
+</file>
+
+<file path=ppt/slides/slide8.xml><?xml version="1.0" encoding="utf-8"?>
 <p:sld xmlns:a="http://schemas.openxmlformats.org/drawingml/2006/main" xmlns:r="http://schemas.openxmlformats.org/officeDocument/2006/relationships" xmlns:p="http://schemas.openxmlformats.org/presentationml/2006/main" show="0">
   <p:cSld>
     <p:spTree>
@@ -7338,186 +7580,6 @@
     <p:extLst>
       <p:ext uri="{BB962C8B-B14F-4D97-AF65-F5344CB8AC3E}">
         <p14:creationId xmlns:p14="http://schemas.microsoft.com/office/powerpoint/2010/main" val="2925171932"/>
-      </p:ext>
-    </p:extLst>
-  </p:cSld>
-  <p:clrMapOvr>
-    <a:masterClrMapping/>
-  </p:clrMapOvr>
-  <mc:AlternateContent xmlns:mc="http://schemas.openxmlformats.org/markup-compatibility/2006">
-    <mc:Choice xmlns:p14="http://schemas.microsoft.com/office/powerpoint/2010/main" Requires="p14">
-      <p:transition p14:dur="100">
-        <p:cut/>
-      </p:transition>
-    </mc:Choice>
-    <mc:Fallback>
-      <p:transition>
-        <p:cut/>
-      </p:transition>
-    </mc:Fallback>
-  </mc:AlternateContent>
-</p:sld>
-</file>
-
-<file path=ppt/slides/slide8.xml><?xml version="1.0" encoding="utf-8"?>
-<p:sld xmlns:a="http://schemas.openxmlformats.org/drawingml/2006/main" xmlns:r="http://schemas.openxmlformats.org/officeDocument/2006/relationships" xmlns:p="http://schemas.openxmlformats.org/presentationml/2006/main">
-  <p:cSld>
-    <p:spTree>
-      <p:nvGrpSpPr>
-        <p:cNvPr id="1" name=""/>
-        <p:cNvGrpSpPr/>
-        <p:nvPr/>
-      </p:nvGrpSpPr>
-      <p:grpSpPr>
-        <a:xfrm>
-          <a:off x="0" y="0"/>
-          <a:ext cx="0" cy="0"/>
-          <a:chOff x="0" y="0"/>
-          <a:chExt cx="0" cy="0"/>
-        </a:xfrm>
-      </p:grpSpPr>
-      <p:sp>
-        <p:nvSpPr>
-          <p:cNvPr id="2" name="Title 1">
-            <a:extLst>
-              <a:ext uri="{FF2B5EF4-FFF2-40B4-BE49-F238E27FC236}">
-                <a16:creationId xmlns:a16="http://schemas.microsoft.com/office/drawing/2014/main" id="{7ACCC806-57BB-1BB8-3980-D750FB100387}"/>
-              </a:ext>
-            </a:extLst>
-          </p:cNvPr>
-          <p:cNvSpPr>
-            <a:spLocks noGrp="1"/>
-          </p:cNvSpPr>
-          <p:nvPr>
-            <p:ph type="title"/>
-          </p:nvPr>
-        </p:nvSpPr>
-        <p:spPr/>
-        <p:txBody>
-          <a:bodyPr/>
-          <a:lstStyle/>
-          <a:p>
-            <a:r>
-              <a:rPr lang="en-US" dirty="0"/>
-              <a:t>Isolating Spine Region </a:t>
-            </a:r>
-            <a:r>
-              <a:rPr lang="en-US" sz="2400" dirty="0"/>
-              <a:t>(semi-auto)</a:t>
-            </a:r>
-          </a:p>
-        </p:txBody>
-      </p:sp>
-      <p:sp>
-        <p:nvSpPr>
-          <p:cNvPr id="5" name="Text Placeholder 4">
-            <a:extLst>
-              <a:ext uri="{FF2B5EF4-FFF2-40B4-BE49-F238E27FC236}">
-                <a16:creationId xmlns:a16="http://schemas.microsoft.com/office/drawing/2014/main" id="{219E66B4-BE1A-6414-4691-D8AD08928FD0}"/>
-              </a:ext>
-            </a:extLst>
-          </p:cNvPr>
-          <p:cNvSpPr>
-            <a:spLocks noGrp="1"/>
-          </p:cNvSpPr>
-          <p:nvPr>
-            <p:ph type="body" idx="1"/>
-          </p:nvPr>
-        </p:nvSpPr>
-        <p:spPr/>
-        <p:txBody>
-          <a:bodyPr/>
-          <a:lstStyle/>
-          <a:p>
-            <a:r>
-              <a:rPr lang="en-US" dirty="0"/>
-              <a:t>Template Matching Method</a:t>
-            </a:r>
-          </a:p>
-        </p:txBody>
-      </p:sp>
-      <p:sp>
-        <p:nvSpPr>
-          <p:cNvPr id="6" name="Content Placeholder 5">
-            <a:extLst>
-              <a:ext uri="{FF2B5EF4-FFF2-40B4-BE49-F238E27FC236}">
-                <a16:creationId xmlns:a16="http://schemas.microsoft.com/office/drawing/2014/main" id="{FDAC2AE8-FA61-E780-5B30-C0CA6BE9D3EA}"/>
-              </a:ext>
-            </a:extLst>
-          </p:cNvPr>
-          <p:cNvSpPr>
-            <a:spLocks noGrp="1"/>
-          </p:cNvSpPr>
-          <p:nvPr>
-            <p:ph sz="half" idx="2"/>
-          </p:nvPr>
-        </p:nvSpPr>
-        <p:spPr/>
-        <p:txBody>
-          <a:bodyPr/>
-          <a:lstStyle/>
-          <a:p>
-            <a:endParaRPr lang="en-US" dirty="0"/>
-          </a:p>
-        </p:txBody>
-      </p:sp>
-      <p:sp>
-        <p:nvSpPr>
-          <p:cNvPr id="7" name="Text Placeholder 6">
-            <a:extLst>
-              <a:ext uri="{FF2B5EF4-FFF2-40B4-BE49-F238E27FC236}">
-                <a16:creationId xmlns:a16="http://schemas.microsoft.com/office/drawing/2014/main" id="{8D2EC4C8-F725-C48C-0EAE-843B8A8882BC}"/>
-              </a:ext>
-            </a:extLst>
-          </p:cNvPr>
-          <p:cNvSpPr>
-            <a:spLocks noGrp="1"/>
-          </p:cNvSpPr>
-          <p:nvPr>
-            <p:ph type="body" sz="quarter" idx="3"/>
-          </p:nvPr>
-        </p:nvSpPr>
-        <p:spPr/>
-        <p:txBody>
-          <a:bodyPr/>
-          <a:lstStyle/>
-          <a:p>
-            <a:r>
-              <a:rPr lang="en-US" dirty="0"/>
-              <a:t>MATLAB Segment Editor</a:t>
-            </a:r>
-          </a:p>
-        </p:txBody>
-      </p:sp>
-      <p:sp>
-        <p:nvSpPr>
-          <p:cNvPr id="8" name="Content Placeholder 7">
-            <a:extLst>
-              <a:ext uri="{FF2B5EF4-FFF2-40B4-BE49-F238E27FC236}">
-                <a16:creationId xmlns:a16="http://schemas.microsoft.com/office/drawing/2014/main" id="{829B6C70-138C-A9B4-A66C-70290CF34DF4}"/>
-              </a:ext>
-            </a:extLst>
-          </p:cNvPr>
-          <p:cNvSpPr>
-            <a:spLocks noGrp="1"/>
-          </p:cNvSpPr>
-          <p:nvPr>
-            <p:ph sz="quarter" idx="4"/>
-          </p:nvPr>
-        </p:nvSpPr>
-        <p:spPr/>
-        <p:txBody>
-          <a:bodyPr/>
-          <a:lstStyle/>
-          <a:p>
-            <a:endParaRPr lang="en-US"/>
-          </a:p>
-        </p:txBody>
-      </p:sp>
-    </p:spTree>
-    <p:extLst>
-      <p:ext uri="{BB962C8B-B14F-4D97-AF65-F5344CB8AC3E}">
-        <p14:creationId xmlns:p14="http://schemas.microsoft.com/office/powerpoint/2010/main" val="3502553122"/>
       </p:ext>
     </p:extLst>
   </p:cSld>
@@ -7583,7 +7645,7 @@
             </a:r>
             <a:r>
               <a:rPr lang="en-US" sz="2400" dirty="0"/>
-              <a:t>(deep learning)</a:t>
+              <a:t>(semi-auto)</a:t>
             </a:r>
           </a:p>
         </p:txBody>
@@ -7593,15 +7655,15 @@
           <p:cNvPr id="5" name="Text Placeholder 4">
             <a:extLst>
               <a:ext uri="{FF2B5EF4-FFF2-40B4-BE49-F238E27FC236}">
-                <a16:creationId xmlns:a16="http://schemas.microsoft.com/office/drawing/2014/main" id="{C049F687-CB45-2240-B4EB-0EAAD9FDC3B2}"/>
-              </a:ext>
-            </a:extLst>
-          </p:cNvPr>
-          <p:cNvSpPr>
-            <a:spLocks noGrp="1"/>
-          </p:cNvSpPr>
-          <p:nvPr>
-            <p:ph idx="1"/>
+                <a16:creationId xmlns:a16="http://schemas.microsoft.com/office/drawing/2014/main" id="{219E66B4-BE1A-6414-4691-D8AD08928FD0}"/>
+              </a:ext>
+            </a:extLst>
+          </p:cNvPr>
+          <p:cNvSpPr>
+            <a:spLocks noGrp="1"/>
+          </p:cNvSpPr>
+          <p:nvPr>
+            <p:ph type="body" idx="1"/>
           </p:nvPr>
         </p:nvSpPr>
         <p:spPr/>
@@ -7611,15 +7673,93 @@
           <a:p>
             <a:r>
               <a:rPr lang="en-US" dirty="0"/>
-              <a:t>Data Breakdown</a:t>
-            </a:r>
+              <a:t>Template Matching Method</a:t>
+            </a:r>
+          </a:p>
+        </p:txBody>
+      </p:sp>
+      <p:sp>
+        <p:nvSpPr>
+          <p:cNvPr id="6" name="Content Placeholder 5">
+            <a:extLst>
+              <a:ext uri="{FF2B5EF4-FFF2-40B4-BE49-F238E27FC236}">
+                <a16:creationId xmlns:a16="http://schemas.microsoft.com/office/drawing/2014/main" id="{FDAC2AE8-FA61-E780-5B30-C0CA6BE9D3EA}"/>
+              </a:ext>
+            </a:extLst>
+          </p:cNvPr>
+          <p:cNvSpPr>
+            <a:spLocks noGrp="1"/>
+          </p:cNvSpPr>
+          <p:nvPr>
+            <p:ph sz="half" idx="2"/>
+          </p:nvPr>
+        </p:nvSpPr>
+        <p:spPr/>
+        <p:txBody>
+          <a:bodyPr/>
+          <a:lstStyle/>
+          <a:p>
+            <a:endParaRPr lang="en-US" dirty="0"/>
+          </a:p>
+        </p:txBody>
+      </p:sp>
+      <p:sp>
+        <p:nvSpPr>
+          <p:cNvPr id="7" name="Text Placeholder 6">
+            <a:extLst>
+              <a:ext uri="{FF2B5EF4-FFF2-40B4-BE49-F238E27FC236}">
+                <a16:creationId xmlns:a16="http://schemas.microsoft.com/office/drawing/2014/main" id="{8D2EC4C8-F725-C48C-0EAE-843B8A8882BC}"/>
+              </a:ext>
+            </a:extLst>
+          </p:cNvPr>
+          <p:cNvSpPr>
+            <a:spLocks noGrp="1"/>
+          </p:cNvSpPr>
+          <p:nvPr>
+            <p:ph type="body" sz="quarter" idx="3"/>
+          </p:nvPr>
+        </p:nvSpPr>
+        <p:spPr/>
+        <p:txBody>
+          <a:bodyPr/>
+          <a:lstStyle/>
+          <a:p>
+            <a:r>
+              <a:rPr lang="en-US" dirty="0"/>
+              <a:t>MATLAB Segment Editor</a:t>
+            </a:r>
+          </a:p>
+        </p:txBody>
+      </p:sp>
+      <p:sp>
+        <p:nvSpPr>
+          <p:cNvPr id="8" name="Content Placeholder 7">
+            <a:extLst>
+              <a:ext uri="{FF2B5EF4-FFF2-40B4-BE49-F238E27FC236}">
+                <a16:creationId xmlns:a16="http://schemas.microsoft.com/office/drawing/2014/main" id="{829B6C70-138C-A9B4-A66C-70290CF34DF4}"/>
+              </a:ext>
+            </a:extLst>
+          </p:cNvPr>
+          <p:cNvSpPr>
+            <a:spLocks noGrp="1"/>
+          </p:cNvSpPr>
+          <p:nvPr>
+            <p:ph sz="quarter" idx="4"/>
+          </p:nvPr>
+        </p:nvSpPr>
+        <p:spPr/>
+        <p:txBody>
+          <a:bodyPr/>
+          <a:lstStyle/>
+          <a:p>
+            <a:endParaRPr lang="en-US"/>
           </a:p>
         </p:txBody>
       </p:sp>
     </p:spTree>
     <p:extLst>
       <p:ext uri="{BB962C8B-B14F-4D97-AF65-F5344CB8AC3E}">
-        <p14:creationId xmlns:p14="http://schemas.microsoft.com/office/powerpoint/2010/main" val="3027906681"/>
+        <p14:creationId xmlns:p14="http://schemas.microsoft.com/office/powerpoint/2010/main" val="3502553122"/>
       </p:ext>
     </p:extLst>
   </p:cSld>
